--- a/lectures/indices/indexes.pptx
+++ b/lectures/indices/indexes.pptx
@@ -229,7 +229,7 @@
           <a:p>
             <a:fld id="{C5ED89DB-7CAF-A342-9772-CA7C14BFC25D}" type="datetimeFigureOut">
               <a:rPr lang="en-US" smtClean="0"/>
-              <a:t>4/10/18</a:t>
+              <a:t>4/28/24</a:t>
             </a:fld>
             <a:endParaRPr lang="en-US"/>
           </a:p>
@@ -395,7 +395,7 @@
           <a:p>
             <a:fld id="{8A17D57A-DE7C-574B-92E6-723A7E547DE5}" type="datetimeFigureOut">
               <a:rPr lang="en-US" smtClean="0"/>
-              <a:t>4/10/18</a:t>
+              <a:t>4/28/24</a:t>
             </a:fld>
             <a:endParaRPr lang="en-US"/>
           </a:p>
@@ -694,14 +694,14 @@
           <a:noFill/>
           <a:extLst>
             <a:ext uri="{909E8E84-426E-40dd-AFC4-6F175D3DCCD1}">
-              <a14:hiddenFill xmlns="" xmlns:a14="http://schemas.microsoft.com/office/drawing/2010/main">
+              <a14:hiddenFill xmlns:a14="http://schemas.microsoft.com/office/drawing/2010/main" xmlns="">
                 <a:solidFill>
                   <a:srgbClr val="FFFFFF"/>
                 </a:solidFill>
               </a14:hiddenFill>
             </a:ext>
             <a:ext uri="{91240B29-F687-4f45-9708-019B960494DF}">
-              <a14:hiddenLine xmlns="" xmlns:a14="http://schemas.microsoft.com/office/drawing/2010/main" w="9525">
+              <a14:hiddenLine xmlns:a14="http://schemas.microsoft.com/office/drawing/2010/main" xmlns="" w="9525">
                 <a:solidFill>
                   <a:srgbClr val="000000"/>
                 </a:solidFill>
@@ -873,10 +873,10 @@
           </a:ln>
           <a:extLst>
             <a:ext uri="{FAA26D3D-D897-4be2-8F04-BA451C77F1D7}">
-              <ma14:placeholderFlag xmlns:ma14="http://schemas.microsoft.com/office/mac/drawingml/2011/main" xmlns="" val="1"/>
+              <ma14:placeholderFlag xmlns="" xmlns:ma14="http://schemas.microsoft.com/office/mac/drawingml/2011/main" val="1"/>
             </a:ext>
             <a:ext uri="{909E8E84-426E-40dd-AFC4-6F175D3DCCD1}">
-              <a14:hiddenFill xmlns="" xmlns:a14="http://schemas.microsoft.com/office/drawing/2010/main">
+              <a14:hiddenFill xmlns:a14="http://schemas.microsoft.com/office/drawing/2010/main" xmlns="">
                 <a:solidFill>
                   <a:srgbClr val="FFFFFF"/>
                 </a:solidFill>
@@ -899,17 +899,17 @@
           <a:noFill/>
           <a:extLst>
             <a:ext uri="{FAA26D3D-D897-4be2-8F04-BA451C77F1D7}">
-              <ma14:placeholderFlag xmlns:ma14="http://schemas.microsoft.com/office/mac/drawingml/2011/main" xmlns="" val="1"/>
+              <ma14:placeholderFlag xmlns="" xmlns:ma14="http://schemas.microsoft.com/office/mac/drawingml/2011/main" val="1"/>
             </a:ext>
             <a:ext uri="{909E8E84-426E-40dd-AFC4-6F175D3DCCD1}">
-              <a14:hiddenFill xmlns="" xmlns:a14="http://schemas.microsoft.com/office/drawing/2010/main">
+              <a14:hiddenFill xmlns:a14="http://schemas.microsoft.com/office/drawing/2010/main" xmlns="">
                 <a:solidFill>
                   <a:srgbClr val="FFFFFF"/>
                 </a:solidFill>
               </a14:hiddenFill>
             </a:ext>
             <a:ext uri="{91240B29-F687-4f45-9708-019B960494DF}">
-              <a14:hiddenLine xmlns="" xmlns:a14="http://schemas.microsoft.com/office/drawing/2010/main" w="9525">
+              <a14:hiddenLine xmlns:a14="http://schemas.microsoft.com/office/drawing/2010/main" xmlns="" w="9525">
                 <a:solidFill>
                   <a:srgbClr val="000000"/>
                 </a:solidFill>
@@ -985,14 +985,14 @@
           <a:noFill/>
           <a:extLst>
             <a:ext uri="{909E8E84-426E-40dd-AFC4-6F175D3DCCD1}">
-              <a14:hiddenFill xmlns="" xmlns:a14="http://schemas.microsoft.com/office/drawing/2010/main">
+              <a14:hiddenFill xmlns:a14="http://schemas.microsoft.com/office/drawing/2010/main" xmlns="">
                 <a:solidFill>
                   <a:srgbClr val="FFFFFF"/>
                 </a:solidFill>
               </a14:hiddenFill>
             </a:ext>
             <a:ext uri="{91240B29-F687-4f45-9708-019B960494DF}">
-              <a14:hiddenLine xmlns="" xmlns:a14="http://schemas.microsoft.com/office/drawing/2010/main" w="9525">
+              <a14:hiddenLine xmlns:a14="http://schemas.microsoft.com/office/drawing/2010/main" xmlns="" w="9525">
                 <a:solidFill>
                   <a:srgbClr val="000000"/>
                 </a:solidFill>
@@ -1164,10 +1164,10 @@
           </a:ln>
           <a:extLst>
             <a:ext uri="{FAA26D3D-D897-4be2-8F04-BA451C77F1D7}">
-              <ma14:placeholderFlag xmlns:ma14="http://schemas.microsoft.com/office/mac/drawingml/2011/main" xmlns="" val="1"/>
+              <ma14:placeholderFlag xmlns="" xmlns:ma14="http://schemas.microsoft.com/office/mac/drawingml/2011/main" val="1"/>
             </a:ext>
             <a:ext uri="{909E8E84-426E-40dd-AFC4-6F175D3DCCD1}">
-              <a14:hiddenFill xmlns="" xmlns:a14="http://schemas.microsoft.com/office/drawing/2010/main">
+              <a14:hiddenFill xmlns:a14="http://schemas.microsoft.com/office/drawing/2010/main" xmlns="">
                 <a:solidFill>
                   <a:srgbClr val="FFFFFF"/>
                 </a:solidFill>
@@ -1190,17 +1190,17 @@
           <a:noFill/>
           <a:extLst>
             <a:ext uri="{FAA26D3D-D897-4be2-8F04-BA451C77F1D7}">
-              <ma14:placeholderFlag xmlns:ma14="http://schemas.microsoft.com/office/mac/drawingml/2011/main" xmlns="" val="1"/>
+              <ma14:placeholderFlag xmlns="" xmlns:ma14="http://schemas.microsoft.com/office/mac/drawingml/2011/main" val="1"/>
             </a:ext>
             <a:ext uri="{909E8E84-426E-40dd-AFC4-6F175D3DCCD1}">
-              <a14:hiddenFill xmlns="" xmlns:a14="http://schemas.microsoft.com/office/drawing/2010/main">
+              <a14:hiddenFill xmlns:a14="http://schemas.microsoft.com/office/drawing/2010/main" xmlns="">
                 <a:solidFill>
                   <a:srgbClr val="FFFFFF"/>
                 </a:solidFill>
               </a14:hiddenFill>
             </a:ext>
             <a:ext uri="{91240B29-F687-4f45-9708-019B960494DF}">
-              <a14:hiddenLine xmlns="" xmlns:a14="http://schemas.microsoft.com/office/drawing/2010/main" w="9525">
+              <a14:hiddenLine xmlns:a14="http://schemas.microsoft.com/office/drawing/2010/main" xmlns="" w="9525">
                 <a:solidFill>
                   <a:srgbClr val="000000"/>
                 </a:solidFill>
@@ -1276,14 +1276,14 @@
           <a:noFill/>
           <a:extLst>
             <a:ext uri="{909E8E84-426E-40dd-AFC4-6F175D3DCCD1}">
-              <a14:hiddenFill xmlns="" xmlns:a14="http://schemas.microsoft.com/office/drawing/2010/main">
+              <a14:hiddenFill xmlns:a14="http://schemas.microsoft.com/office/drawing/2010/main" xmlns="">
                 <a:solidFill>
                   <a:srgbClr val="FFFFFF"/>
                 </a:solidFill>
               </a14:hiddenFill>
             </a:ext>
             <a:ext uri="{91240B29-F687-4f45-9708-019B960494DF}">
-              <a14:hiddenLine xmlns="" xmlns:a14="http://schemas.microsoft.com/office/drawing/2010/main" w="9525">
+              <a14:hiddenLine xmlns:a14="http://schemas.microsoft.com/office/drawing/2010/main" xmlns="" w="9525">
                 <a:solidFill>
                   <a:srgbClr val="000000"/>
                 </a:solidFill>
@@ -1455,10 +1455,10 @@
           </a:ln>
           <a:extLst>
             <a:ext uri="{FAA26D3D-D897-4be2-8F04-BA451C77F1D7}">
-              <ma14:placeholderFlag xmlns:ma14="http://schemas.microsoft.com/office/mac/drawingml/2011/main" xmlns="" val="1"/>
+              <ma14:placeholderFlag xmlns="" xmlns:ma14="http://schemas.microsoft.com/office/mac/drawingml/2011/main" val="1"/>
             </a:ext>
             <a:ext uri="{909E8E84-426E-40dd-AFC4-6F175D3DCCD1}">
-              <a14:hiddenFill xmlns="" xmlns:a14="http://schemas.microsoft.com/office/drawing/2010/main">
+              <a14:hiddenFill xmlns:a14="http://schemas.microsoft.com/office/drawing/2010/main" xmlns="">
                 <a:solidFill>
                   <a:srgbClr val="FFFFFF"/>
                 </a:solidFill>
@@ -1481,17 +1481,17 @@
           <a:noFill/>
           <a:extLst>
             <a:ext uri="{FAA26D3D-D897-4be2-8F04-BA451C77F1D7}">
-              <ma14:placeholderFlag xmlns:ma14="http://schemas.microsoft.com/office/mac/drawingml/2011/main" xmlns="" val="1"/>
+              <ma14:placeholderFlag xmlns="" xmlns:ma14="http://schemas.microsoft.com/office/mac/drawingml/2011/main" val="1"/>
             </a:ext>
             <a:ext uri="{909E8E84-426E-40dd-AFC4-6F175D3DCCD1}">
-              <a14:hiddenFill xmlns="" xmlns:a14="http://schemas.microsoft.com/office/drawing/2010/main">
+              <a14:hiddenFill xmlns:a14="http://schemas.microsoft.com/office/drawing/2010/main" xmlns="">
                 <a:solidFill>
                   <a:srgbClr val="FFFFFF"/>
                 </a:solidFill>
               </a14:hiddenFill>
             </a:ext>
             <a:ext uri="{91240B29-F687-4f45-9708-019B960494DF}">
-              <a14:hiddenLine xmlns="" xmlns:a14="http://schemas.microsoft.com/office/drawing/2010/main" w="9525">
+              <a14:hiddenLine xmlns:a14="http://schemas.microsoft.com/office/drawing/2010/main" xmlns="" w="9525">
                 <a:solidFill>
                   <a:srgbClr val="000000"/>
                 </a:solidFill>
@@ -1650,14 +1650,14 @@
           <a:effectLst/>
           <a:extLst>
             <a:ext uri="{909E8E84-426E-40dd-AFC4-6F175D3DCCD1}">
-              <a14:hiddenFill xmlns="" xmlns:a14="http://schemas.microsoft.com/office/drawing/2010/main">
+              <a14:hiddenFill xmlns:a14="http://schemas.microsoft.com/office/drawing/2010/main" xmlns="">
                 <a:solidFill>
                   <a:schemeClr val="accent1"/>
                 </a:solidFill>
               </a14:hiddenFill>
             </a:ext>
             <a:ext uri="{91240B29-F687-4f45-9708-019B960494DF}">
-              <a14:hiddenLine xmlns="" xmlns:a14="http://schemas.microsoft.com/office/drawing/2010/main" w="9525">
+              <a14:hiddenLine xmlns:a14="http://schemas.microsoft.com/office/drawing/2010/main" xmlns="" w="9525">
                 <a:solidFill>
                   <a:schemeClr val="tx1"/>
                 </a:solidFill>
@@ -1667,7 +1667,7 @@
               </a14:hiddenLine>
             </a:ext>
             <a:ext uri="{AF507438-7753-43e0-B8FC-AC1667EBCBE1}">
-              <a14:hiddenEffects xmlns="" xmlns:a14="http://schemas.microsoft.com/office/drawing/2010/main">
+              <a14:hiddenEffects xmlns:a14="http://schemas.microsoft.com/office/drawing/2010/main" xmlns="">
                 <a:effectLst>
                   <a:outerShdw blurRad="63500" dist="38099" dir="2700000" algn="ctr" rotWithShape="0">
                     <a:schemeClr val="bg2">
@@ -1710,14 +1710,14 @@
           <a:effectLst/>
           <a:extLst>
             <a:ext uri="{909E8E84-426E-40dd-AFC4-6F175D3DCCD1}">
-              <a14:hiddenFill xmlns="" xmlns:a14="http://schemas.microsoft.com/office/drawing/2010/main">
+              <a14:hiddenFill xmlns:a14="http://schemas.microsoft.com/office/drawing/2010/main" xmlns="">
                 <a:solidFill>
                   <a:schemeClr val="accent1"/>
                 </a:solidFill>
               </a14:hiddenFill>
             </a:ext>
             <a:ext uri="{91240B29-F687-4f45-9708-019B960494DF}">
-              <a14:hiddenLine xmlns="" xmlns:a14="http://schemas.microsoft.com/office/drawing/2010/main" w="9525">
+              <a14:hiddenLine xmlns:a14="http://schemas.microsoft.com/office/drawing/2010/main" xmlns="" w="9525">
                 <a:solidFill>
                   <a:schemeClr val="tx1"/>
                 </a:solidFill>
@@ -1727,7 +1727,7 @@
               </a14:hiddenLine>
             </a:ext>
             <a:ext uri="{AF507438-7753-43e0-B8FC-AC1667EBCBE1}">
-              <a14:hiddenEffects xmlns="" xmlns:a14="http://schemas.microsoft.com/office/drawing/2010/main">
+              <a14:hiddenEffects xmlns:a14="http://schemas.microsoft.com/office/drawing/2010/main" xmlns="">
                 <a:effectLst>
                   <a:outerShdw blurRad="63500" dist="38099" dir="2700000" algn="ctr" rotWithShape="0">
                     <a:schemeClr val="bg2">
@@ -1778,14 +1778,14 @@
           <a:effectLst/>
           <a:extLst>
             <a:ext uri="{909E8E84-426E-40dd-AFC4-6F175D3DCCD1}">
-              <a14:hiddenFill xmlns="" xmlns:a14="http://schemas.microsoft.com/office/drawing/2010/main">
+              <a14:hiddenFill xmlns:a14="http://schemas.microsoft.com/office/drawing/2010/main" xmlns="">
                 <a:solidFill>
                   <a:schemeClr val="accent1"/>
                 </a:solidFill>
               </a14:hiddenFill>
             </a:ext>
             <a:ext uri="{91240B29-F687-4f45-9708-019B960494DF}">
-              <a14:hiddenLine xmlns="" xmlns:a14="http://schemas.microsoft.com/office/drawing/2010/main" w="9525">
+              <a14:hiddenLine xmlns:a14="http://schemas.microsoft.com/office/drawing/2010/main" xmlns="" w="9525">
                 <a:solidFill>
                   <a:schemeClr val="tx1"/>
                 </a:solidFill>
@@ -1795,7 +1795,7 @@
               </a14:hiddenLine>
             </a:ext>
             <a:ext uri="{AF507438-7753-43e0-B8FC-AC1667EBCBE1}">
-              <a14:hiddenEffects xmlns="" xmlns:a14="http://schemas.microsoft.com/office/drawing/2010/main">
+              <a14:hiddenEffects xmlns:a14="http://schemas.microsoft.com/office/drawing/2010/main" xmlns="">
                 <a:effectLst>
                   <a:outerShdw blurRad="63500" dist="38099" dir="2700000" algn="ctr" rotWithShape="0">
                     <a:schemeClr val="bg2">
@@ -1838,14 +1838,14 @@
           <a:effectLst/>
           <a:extLst>
             <a:ext uri="{909E8E84-426E-40dd-AFC4-6F175D3DCCD1}">
-              <a14:hiddenFill xmlns="" xmlns:a14="http://schemas.microsoft.com/office/drawing/2010/main">
+              <a14:hiddenFill xmlns:a14="http://schemas.microsoft.com/office/drawing/2010/main" xmlns="">
                 <a:solidFill>
                   <a:schemeClr val="accent1"/>
                 </a:solidFill>
               </a14:hiddenFill>
             </a:ext>
             <a:ext uri="{91240B29-F687-4f45-9708-019B960494DF}">
-              <a14:hiddenLine xmlns="" xmlns:a14="http://schemas.microsoft.com/office/drawing/2010/main" w="9525">
+              <a14:hiddenLine xmlns:a14="http://schemas.microsoft.com/office/drawing/2010/main" xmlns="" w="9525">
                 <a:solidFill>
                   <a:schemeClr val="tx1"/>
                 </a:solidFill>
@@ -1855,7 +1855,7 @@
               </a14:hiddenLine>
             </a:ext>
             <a:ext uri="{AF507438-7753-43e0-B8FC-AC1667EBCBE1}">
-              <a14:hiddenEffects xmlns="" xmlns:a14="http://schemas.microsoft.com/office/drawing/2010/main">
+              <a14:hiddenEffects xmlns:a14="http://schemas.microsoft.com/office/drawing/2010/main" xmlns="">
                 <a:effectLst>
                   <a:outerShdw blurRad="63500" dist="38099" dir="2700000" algn="ctr" rotWithShape="0">
                     <a:schemeClr val="bg2">
@@ -1897,10 +1897,10 @@
           </a:ln>
           <a:extLst>
             <a:ext uri="{FAA26D3D-D897-4be2-8F04-BA451C77F1D7}">
-              <ma14:placeholderFlag xmlns:ma14="http://schemas.microsoft.com/office/mac/drawingml/2011/main" xmlns="" val="1"/>
+              <ma14:placeholderFlag xmlns="" xmlns:ma14="http://schemas.microsoft.com/office/mac/drawingml/2011/main" val="1"/>
             </a:ext>
             <a:ext uri="{909E8E84-426E-40dd-AFC4-6F175D3DCCD1}">
-              <a14:hiddenFill xmlns="" xmlns:a14="http://schemas.microsoft.com/office/drawing/2010/main">
+              <a14:hiddenFill xmlns:a14="http://schemas.microsoft.com/office/drawing/2010/main" xmlns="">
                 <a:noFill/>
               </a14:hiddenFill>
             </a:ext>
@@ -2055,14 +2055,14 @@
           <a:effectLst/>
           <a:extLst>
             <a:ext uri="{909E8E84-426E-40dd-AFC4-6F175D3DCCD1}">
-              <a14:hiddenFill xmlns="" xmlns:a14="http://schemas.microsoft.com/office/drawing/2010/main">
+              <a14:hiddenFill xmlns:a14="http://schemas.microsoft.com/office/drawing/2010/main" xmlns="">
                 <a:solidFill>
                   <a:schemeClr val="accent1"/>
                 </a:solidFill>
               </a14:hiddenFill>
             </a:ext>
             <a:ext uri="{91240B29-F687-4f45-9708-019B960494DF}">
-              <a14:hiddenLine xmlns="" xmlns:a14="http://schemas.microsoft.com/office/drawing/2010/main" w="9525">
+              <a14:hiddenLine xmlns:a14="http://schemas.microsoft.com/office/drawing/2010/main" xmlns="" w="9525">
                 <a:solidFill>
                   <a:schemeClr val="tx1"/>
                 </a:solidFill>
@@ -2072,7 +2072,7 @@
               </a14:hiddenLine>
             </a:ext>
             <a:ext uri="{AF507438-7753-43e0-B8FC-AC1667EBCBE1}">
-              <a14:hiddenEffects xmlns="" xmlns:a14="http://schemas.microsoft.com/office/drawing/2010/main">
+              <a14:hiddenEffects xmlns:a14="http://schemas.microsoft.com/office/drawing/2010/main" xmlns="">
                 <a:effectLst>
                   <a:outerShdw blurRad="63500" dist="38099" dir="2700000" algn="ctr" rotWithShape="0">
                     <a:schemeClr val="bg2">
@@ -2115,14 +2115,14 @@
           <a:effectLst/>
           <a:extLst>
             <a:ext uri="{909E8E84-426E-40dd-AFC4-6F175D3DCCD1}">
-              <a14:hiddenFill xmlns="" xmlns:a14="http://schemas.microsoft.com/office/drawing/2010/main">
+              <a14:hiddenFill xmlns:a14="http://schemas.microsoft.com/office/drawing/2010/main" xmlns="">
                 <a:solidFill>
                   <a:schemeClr val="accent1"/>
                 </a:solidFill>
               </a14:hiddenFill>
             </a:ext>
             <a:ext uri="{91240B29-F687-4f45-9708-019B960494DF}">
-              <a14:hiddenLine xmlns="" xmlns:a14="http://schemas.microsoft.com/office/drawing/2010/main" w="9525">
+              <a14:hiddenLine xmlns:a14="http://schemas.microsoft.com/office/drawing/2010/main" xmlns="" w="9525">
                 <a:solidFill>
                   <a:schemeClr val="tx1"/>
                 </a:solidFill>
@@ -2132,7 +2132,7 @@
               </a14:hiddenLine>
             </a:ext>
             <a:ext uri="{AF507438-7753-43e0-B8FC-AC1667EBCBE1}">
-              <a14:hiddenEffects xmlns="" xmlns:a14="http://schemas.microsoft.com/office/drawing/2010/main">
+              <a14:hiddenEffects xmlns:a14="http://schemas.microsoft.com/office/drawing/2010/main" xmlns="">
                 <a:effectLst>
                   <a:outerShdw blurRad="63500" dist="38099" dir="2700000" algn="ctr" rotWithShape="0">
                     <a:schemeClr val="bg2">
@@ -2183,14 +2183,14 @@
           <a:effectLst/>
           <a:extLst>
             <a:ext uri="{909E8E84-426E-40dd-AFC4-6F175D3DCCD1}">
-              <a14:hiddenFill xmlns="" xmlns:a14="http://schemas.microsoft.com/office/drawing/2010/main">
+              <a14:hiddenFill xmlns:a14="http://schemas.microsoft.com/office/drawing/2010/main" xmlns="">
                 <a:solidFill>
                   <a:schemeClr val="accent1"/>
                 </a:solidFill>
               </a14:hiddenFill>
             </a:ext>
             <a:ext uri="{91240B29-F687-4f45-9708-019B960494DF}">
-              <a14:hiddenLine xmlns="" xmlns:a14="http://schemas.microsoft.com/office/drawing/2010/main" w="9525">
+              <a14:hiddenLine xmlns:a14="http://schemas.microsoft.com/office/drawing/2010/main" xmlns="" w="9525">
                 <a:solidFill>
                   <a:schemeClr val="tx1"/>
                 </a:solidFill>
@@ -2200,7 +2200,7 @@
               </a14:hiddenLine>
             </a:ext>
             <a:ext uri="{AF507438-7753-43e0-B8FC-AC1667EBCBE1}">
-              <a14:hiddenEffects xmlns="" xmlns:a14="http://schemas.microsoft.com/office/drawing/2010/main">
+              <a14:hiddenEffects xmlns:a14="http://schemas.microsoft.com/office/drawing/2010/main" xmlns="">
                 <a:effectLst>
                   <a:outerShdw blurRad="63500" dist="38099" dir="2700000" algn="ctr" rotWithShape="0">
                     <a:schemeClr val="bg2">
@@ -2243,14 +2243,14 @@
           <a:effectLst/>
           <a:extLst>
             <a:ext uri="{909E8E84-426E-40dd-AFC4-6F175D3DCCD1}">
-              <a14:hiddenFill xmlns="" xmlns:a14="http://schemas.microsoft.com/office/drawing/2010/main">
+              <a14:hiddenFill xmlns:a14="http://schemas.microsoft.com/office/drawing/2010/main" xmlns="">
                 <a:solidFill>
                   <a:schemeClr val="accent1"/>
                 </a:solidFill>
               </a14:hiddenFill>
             </a:ext>
             <a:ext uri="{91240B29-F687-4f45-9708-019B960494DF}">
-              <a14:hiddenLine xmlns="" xmlns:a14="http://schemas.microsoft.com/office/drawing/2010/main" w="9525">
+              <a14:hiddenLine xmlns:a14="http://schemas.microsoft.com/office/drawing/2010/main" xmlns="" w="9525">
                 <a:solidFill>
                   <a:schemeClr val="tx1"/>
                 </a:solidFill>
@@ -2260,7 +2260,7 @@
               </a14:hiddenLine>
             </a:ext>
             <a:ext uri="{AF507438-7753-43e0-B8FC-AC1667EBCBE1}">
-              <a14:hiddenEffects xmlns="" xmlns:a14="http://schemas.microsoft.com/office/drawing/2010/main">
+              <a14:hiddenEffects xmlns:a14="http://schemas.microsoft.com/office/drawing/2010/main" xmlns="">
                 <a:effectLst>
                   <a:outerShdw blurRad="63500" dist="38099" dir="2700000" algn="ctr" rotWithShape="0">
                     <a:schemeClr val="bg2">
@@ -2302,10 +2302,10 @@
           </a:ln>
           <a:extLst>
             <a:ext uri="{FAA26D3D-D897-4be2-8F04-BA451C77F1D7}">
-              <ma14:placeholderFlag xmlns:ma14="http://schemas.microsoft.com/office/mac/drawingml/2011/main" xmlns="" val="1"/>
+              <ma14:placeholderFlag xmlns="" xmlns:ma14="http://schemas.microsoft.com/office/mac/drawingml/2011/main" val="1"/>
             </a:ext>
             <a:ext uri="{909E8E84-426E-40dd-AFC4-6F175D3DCCD1}">
-              <a14:hiddenFill xmlns="" xmlns:a14="http://schemas.microsoft.com/office/drawing/2010/main">
+              <a14:hiddenFill xmlns:a14="http://schemas.microsoft.com/office/drawing/2010/main" xmlns="">
                 <a:noFill/>
               </a14:hiddenFill>
             </a:ext>
@@ -2525,7 +2525,7 @@
           <a:p>
             <a:fld id="{F8040FCF-8CAA-764B-B570-42A6E19BAE8F}" type="datetime1">
               <a:rPr lang="en-US" smtClean="0"/>
-              <a:t>4/10/18</a:t>
+              <a:t>4/28/24</a:t>
             </a:fld>
             <a:endParaRPr lang="en-US"/>
           </a:p>
@@ -2693,7 +2693,7 @@
           <a:p>
             <a:fld id="{3A3A1581-7904-C243-A968-AC2806FF7D17}" type="datetime1">
               <a:rPr lang="en-US" smtClean="0"/>
-              <a:t>4/10/18</a:t>
+              <a:t>4/28/24</a:t>
             </a:fld>
             <a:endParaRPr lang="en-US"/>
           </a:p>
@@ -2871,7 +2871,7 @@
           <a:p>
             <a:fld id="{BA34CC79-907C-854D-A962-A95C8CB10280}" type="datetime1">
               <a:rPr lang="en-US" smtClean="0"/>
-              <a:t>4/10/18</a:t>
+              <a:t>4/28/24</a:t>
             </a:fld>
             <a:endParaRPr lang="en-US"/>
           </a:p>
@@ -3039,7 +3039,7 @@
           <a:p>
             <a:fld id="{56DFB35A-D653-8141-8F2A-8E42F577D6AF}" type="datetime1">
               <a:rPr lang="en-US" smtClean="0"/>
-              <a:t>4/10/18</a:t>
+              <a:t>4/28/24</a:t>
             </a:fld>
             <a:endParaRPr lang="en-US"/>
           </a:p>
@@ -3284,7 +3284,7 @@
           <a:p>
             <a:fld id="{CA8E93B7-BEC2-934F-A9D9-79B33AB73B00}" type="datetime1">
               <a:rPr lang="en-US" smtClean="0"/>
-              <a:t>4/10/18</a:t>
+              <a:t>4/28/24</a:t>
             </a:fld>
             <a:endParaRPr lang="en-US"/>
           </a:p>
@@ -3569,7 +3569,7 @@
           <a:p>
             <a:fld id="{FBA597EF-7865-5D43-AE88-9C7F42C5DE26}" type="datetime1">
               <a:rPr lang="en-US" smtClean="0"/>
-              <a:t>4/10/18</a:t>
+              <a:t>4/28/24</a:t>
             </a:fld>
             <a:endParaRPr lang="en-US"/>
           </a:p>
@@ -3988,7 +3988,7 @@
           <a:p>
             <a:fld id="{2352BC51-8A3F-EB4B-837B-A5248456C6A9}" type="datetime1">
               <a:rPr lang="en-US" smtClean="0"/>
-              <a:t>4/10/18</a:t>
+              <a:t>4/28/24</a:t>
             </a:fld>
             <a:endParaRPr lang="en-US"/>
           </a:p>
@@ -4105,7 +4105,7 @@
           <a:p>
             <a:fld id="{6E5FBFC9-17B8-8444-AA3C-7C8AAB1D2DC9}" type="datetime1">
               <a:rPr lang="en-US" smtClean="0"/>
-              <a:t>4/10/18</a:t>
+              <a:t>4/28/24</a:t>
             </a:fld>
             <a:endParaRPr lang="en-US"/>
           </a:p>
@@ -4200,7 +4200,7 @@
           <a:p>
             <a:fld id="{FD430C53-2463-5B4E-A4BC-E654A5FE69D8}" type="datetime1">
               <a:rPr lang="en-US" smtClean="0"/>
-              <a:t>4/10/18</a:t>
+              <a:t>4/28/24</a:t>
             </a:fld>
             <a:endParaRPr lang="en-US"/>
           </a:p>
@@ -4475,7 +4475,7 @@
           <a:p>
             <a:fld id="{42D6ED8C-C76A-B941-84C0-68FFF2F359A1}" type="datetime1">
               <a:rPr lang="en-US" smtClean="0"/>
-              <a:t>4/10/18</a:t>
+              <a:t>4/28/24</a:t>
             </a:fld>
             <a:endParaRPr lang="en-US"/>
           </a:p>
@@ -4727,7 +4727,7 @@
           <a:p>
             <a:fld id="{410E7C8D-AE06-484F-A613-0B1E2949EAC6}" type="datetime1">
               <a:rPr lang="en-US" smtClean="0"/>
-              <a:t>4/10/18</a:t>
+              <a:t>4/28/24</a:t>
             </a:fld>
             <a:endParaRPr lang="en-US"/>
           </a:p>
@@ -4938,7 +4938,7 @@
           <a:p>
             <a:fld id="{47A859D4-F5DC-424C-B138-FB2BB03377AE}" type="datetime1">
               <a:rPr lang="en-US" smtClean="0"/>
-              <a:t>4/10/18</a:t>
+              <a:t>4/28/24</a:t>
             </a:fld>
             <a:endParaRPr lang="en-US"/>
           </a:p>
@@ -5643,14 +5643,14 @@
           <a:effectLst/>
           <a:extLst>
             <a:ext uri="{909E8E84-426E-40dd-AFC4-6F175D3DCCD1}">
-              <a14:hiddenFill xmlns="" xmlns:a14="http://schemas.microsoft.com/office/drawing/2010/main">
+              <a14:hiddenFill xmlns:a14="http://schemas.microsoft.com/office/drawing/2010/main" xmlns="">
                 <a:solidFill>
                   <a:schemeClr val="accent1"/>
                 </a:solidFill>
               </a14:hiddenFill>
             </a:ext>
             <a:ext uri="{91240B29-F687-4f45-9708-019B960494DF}">
-              <a14:hiddenLine xmlns="" xmlns:a14="http://schemas.microsoft.com/office/drawing/2010/main" w="9525">
+              <a14:hiddenLine xmlns:a14="http://schemas.microsoft.com/office/drawing/2010/main" xmlns="" w="9525">
                 <a:solidFill>
                   <a:schemeClr val="tx1"/>
                 </a:solidFill>
@@ -5660,7 +5660,7 @@
               </a14:hiddenLine>
             </a:ext>
             <a:ext uri="{AF507438-7753-43e0-B8FC-AC1667EBCBE1}">
-              <a14:hiddenEffects xmlns="" xmlns:a14="http://schemas.microsoft.com/office/drawing/2010/main">
+              <a14:hiddenEffects xmlns:a14="http://schemas.microsoft.com/office/drawing/2010/main" xmlns="">
                 <a:effectLst>
                   <a:outerShdw blurRad="63500" dist="38099" dir="2700000" algn="ctr" rotWithShape="0">
                     <a:schemeClr val="bg2">
@@ -5703,14 +5703,14 @@
           <a:effectLst/>
           <a:extLst>
             <a:ext uri="{909E8E84-426E-40dd-AFC4-6F175D3DCCD1}">
-              <a14:hiddenFill xmlns="" xmlns:a14="http://schemas.microsoft.com/office/drawing/2010/main">
+              <a14:hiddenFill xmlns:a14="http://schemas.microsoft.com/office/drawing/2010/main" xmlns="">
                 <a:solidFill>
                   <a:schemeClr val="accent1"/>
                 </a:solidFill>
               </a14:hiddenFill>
             </a:ext>
             <a:ext uri="{91240B29-F687-4f45-9708-019B960494DF}">
-              <a14:hiddenLine xmlns="" xmlns:a14="http://schemas.microsoft.com/office/drawing/2010/main" w="9525">
+              <a14:hiddenLine xmlns:a14="http://schemas.microsoft.com/office/drawing/2010/main" xmlns="" w="9525">
                 <a:solidFill>
                   <a:schemeClr val="tx1"/>
                 </a:solidFill>
@@ -5720,7 +5720,7 @@
               </a14:hiddenLine>
             </a:ext>
             <a:ext uri="{AF507438-7753-43e0-B8FC-AC1667EBCBE1}">
-              <a14:hiddenEffects xmlns="" xmlns:a14="http://schemas.microsoft.com/office/drawing/2010/main">
+              <a14:hiddenEffects xmlns:a14="http://schemas.microsoft.com/office/drawing/2010/main" xmlns="">
                 <a:effectLst>
                   <a:outerShdw blurRad="63500" dist="38099" dir="2700000" algn="ctr" rotWithShape="0">
                     <a:schemeClr val="bg2">
@@ -5891,14 +5891,14 @@
           <a:effectLst/>
           <a:extLst>
             <a:ext uri="{909E8E84-426E-40dd-AFC4-6F175D3DCCD1}">
-              <a14:hiddenFill xmlns="" xmlns:a14="http://schemas.microsoft.com/office/drawing/2010/main">
+              <a14:hiddenFill xmlns:a14="http://schemas.microsoft.com/office/drawing/2010/main" xmlns="">
                 <a:solidFill>
                   <a:schemeClr val="accent1"/>
                 </a:solidFill>
               </a14:hiddenFill>
             </a:ext>
             <a:ext uri="{91240B29-F687-4f45-9708-019B960494DF}">
-              <a14:hiddenLine xmlns="" xmlns:a14="http://schemas.microsoft.com/office/drawing/2010/main" w="9525">
+              <a14:hiddenLine xmlns:a14="http://schemas.microsoft.com/office/drawing/2010/main" xmlns="" w="9525">
                 <a:solidFill>
                   <a:schemeClr val="tx1"/>
                 </a:solidFill>
@@ -5908,7 +5908,7 @@
               </a14:hiddenLine>
             </a:ext>
             <a:ext uri="{AF507438-7753-43e0-B8FC-AC1667EBCBE1}">
-              <a14:hiddenEffects xmlns="" xmlns:a14="http://schemas.microsoft.com/office/drawing/2010/main">
+              <a14:hiddenEffects xmlns:a14="http://schemas.microsoft.com/office/drawing/2010/main" xmlns="">
                 <a:effectLst>
                   <a:outerShdw blurRad="63500" dist="38099" dir="2700000" algn="ctr" rotWithShape="0">
                     <a:schemeClr val="bg2">
@@ -5951,14 +5951,14 @@
           <a:effectLst/>
           <a:extLst>
             <a:ext uri="{909E8E84-426E-40dd-AFC4-6F175D3DCCD1}">
-              <a14:hiddenFill xmlns="" xmlns:a14="http://schemas.microsoft.com/office/drawing/2010/main">
+              <a14:hiddenFill xmlns:a14="http://schemas.microsoft.com/office/drawing/2010/main" xmlns="">
                 <a:solidFill>
                   <a:schemeClr val="accent1"/>
                 </a:solidFill>
               </a14:hiddenFill>
             </a:ext>
             <a:ext uri="{91240B29-F687-4f45-9708-019B960494DF}">
-              <a14:hiddenLine xmlns="" xmlns:a14="http://schemas.microsoft.com/office/drawing/2010/main" w="9525">
+              <a14:hiddenLine xmlns:a14="http://schemas.microsoft.com/office/drawing/2010/main" xmlns="" w="9525">
                 <a:solidFill>
                   <a:schemeClr val="tx1"/>
                 </a:solidFill>
@@ -5968,7 +5968,7 @@
               </a14:hiddenLine>
             </a:ext>
             <a:ext uri="{AF507438-7753-43e0-B8FC-AC1667EBCBE1}">
-              <a14:hiddenEffects xmlns="" xmlns:a14="http://schemas.microsoft.com/office/drawing/2010/main">
+              <a14:hiddenEffects xmlns:a14="http://schemas.microsoft.com/office/drawing/2010/main" xmlns="">
                 <a:effectLst>
                   <a:outerShdw blurRad="63500" dist="38099" dir="2700000" algn="ctr" rotWithShape="0">
                     <a:schemeClr val="bg2">
@@ -6067,14 +6067,14 @@
           <a:effectLst/>
           <a:extLst>
             <a:ext uri="{909E8E84-426E-40dd-AFC4-6F175D3DCCD1}">
-              <a14:hiddenFill xmlns="" xmlns:a14="http://schemas.microsoft.com/office/drawing/2010/main">
+              <a14:hiddenFill xmlns:a14="http://schemas.microsoft.com/office/drawing/2010/main" xmlns="">
                 <a:solidFill>
                   <a:schemeClr val="accent1"/>
                 </a:solidFill>
               </a14:hiddenFill>
             </a:ext>
             <a:ext uri="{AF507438-7753-43e0-B8FC-AC1667EBCBE1}">
-              <a14:hiddenEffects xmlns="" xmlns:a14="http://schemas.microsoft.com/office/drawing/2010/main">
+              <a14:hiddenEffects xmlns:a14="http://schemas.microsoft.com/office/drawing/2010/main" xmlns="">
                 <a:effectLst>
                   <a:outerShdw blurRad="63500" dist="38099" dir="2700000" algn="ctr" rotWithShape="0">
                     <a:schemeClr val="bg2">
@@ -6173,14 +6173,14 @@
           <a:effectLst/>
           <a:extLst>
             <a:ext uri="{909E8E84-426E-40dd-AFC4-6F175D3DCCD1}">
-              <a14:hiddenFill xmlns="" xmlns:a14="http://schemas.microsoft.com/office/drawing/2010/main">
+              <a14:hiddenFill xmlns:a14="http://schemas.microsoft.com/office/drawing/2010/main" xmlns="">
                 <a:solidFill>
                   <a:schemeClr val="accent1"/>
                 </a:solidFill>
               </a14:hiddenFill>
             </a:ext>
             <a:ext uri="{AF507438-7753-43e0-B8FC-AC1667EBCBE1}">
-              <a14:hiddenEffects xmlns="" xmlns:a14="http://schemas.microsoft.com/office/drawing/2010/main">
+              <a14:hiddenEffects xmlns:a14="http://schemas.microsoft.com/office/drawing/2010/main" xmlns="">
                 <a:effectLst>
                   <a:outerShdw blurRad="63500" dist="38099" dir="2700000" algn="ctr" rotWithShape="0">
                     <a:schemeClr val="bg2">
@@ -6279,14 +6279,14 @@
           <a:effectLst/>
           <a:extLst>
             <a:ext uri="{909E8E84-426E-40dd-AFC4-6F175D3DCCD1}">
-              <a14:hiddenFill xmlns="" xmlns:a14="http://schemas.microsoft.com/office/drawing/2010/main">
+              <a14:hiddenFill xmlns:a14="http://schemas.microsoft.com/office/drawing/2010/main" xmlns="">
                 <a:solidFill>
                   <a:schemeClr val="accent1"/>
                 </a:solidFill>
               </a14:hiddenFill>
             </a:ext>
             <a:ext uri="{AF507438-7753-43e0-B8FC-AC1667EBCBE1}">
-              <a14:hiddenEffects xmlns="" xmlns:a14="http://schemas.microsoft.com/office/drawing/2010/main">
+              <a14:hiddenEffects xmlns:a14="http://schemas.microsoft.com/office/drawing/2010/main" xmlns="">
                 <a:effectLst>
                   <a:outerShdw blurRad="63500" dist="38099" dir="2700000" algn="ctr" rotWithShape="0">
                     <a:schemeClr val="bg2">
@@ -6385,14 +6385,14 @@
           <a:effectLst/>
           <a:extLst>
             <a:ext uri="{909E8E84-426E-40dd-AFC4-6F175D3DCCD1}">
-              <a14:hiddenFill xmlns="" xmlns:a14="http://schemas.microsoft.com/office/drawing/2010/main">
+              <a14:hiddenFill xmlns:a14="http://schemas.microsoft.com/office/drawing/2010/main" xmlns="">
                 <a:solidFill>
                   <a:schemeClr val="accent1"/>
                 </a:solidFill>
               </a14:hiddenFill>
             </a:ext>
             <a:ext uri="{AF507438-7753-43e0-B8FC-AC1667EBCBE1}">
-              <a14:hiddenEffects xmlns="" xmlns:a14="http://schemas.microsoft.com/office/drawing/2010/main">
+              <a14:hiddenEffects xmlns:a14="http://schemas.microsoft.com/office/drawing/2010/main" xmlns="">
                 <a:effectLst>
                   <a:outerShdw blurRad="63500" dist="38099" dir="2700000" algn="ctr" rotWithShape="0">
                     <a:schemeClr val="bg2">
@@ -6491,14 +6491,14 @@
           <a:effectLst/>
           <a:extLst>
             <a:ext uri="{909E8E84-426E-40dd-AFC4-6F175D3DCCD1}">
-              <a14:hiddenFill xmlns="" xmlns:a14="http://schemas.microsoft.com/office/drawing/2010/main">
+              <a14:hiddenFill xmlns:a14="http://schemas.microsoft.com/office/drawing/2010/main" xmlns="">
                 <a:solidFill>
                   <a:schemeClr val="accent1"/>
                 </a:solidFill>
               </a14:hiddenFill>
             </a:ext>
             <a:ext uri="{AF507438-7753-43e0-B8FC-AC1667EBCBE1}">
-              <a14:hiddenEffects xmlns="" xmlns:a14="http://schemas.microsoft.com/office/drawing/2010/main">
+              <a14:hiddenEffects xmlns:a14="http://schemas.microsoft.com/office/drawing/2010/main" xmlns="">
                 <a:effectLst>
                   <a:outerShdw blurRad="63500" dist="38099" dir="2700000" algn="ctr" rotWithShape="0">
                     <a:schemeClr val="bg2">
@@ -6541,14 +6541,14 @@
           <a:effectLst/>
           <a:extLst>
             <a:ext uri="{909E8E84-426E-40dd-AFC4-6F175D3DCCD1}">
-              <a14:hiddenFill xmlns="" xmlns:a14="http://schemas.microsoft.com/office/drawing/2010/main">
+              <a14:hiddenFill xmlns:a14="http://schemas.microsoft.com/office/drawing/2010/main" xmlns="">
                 <a:solidFill>
                   <a:schemeClr val="accent1"/>
                 </a:solidFill>
               </a14:hiddenFill>
             </a:ext>
             <a:ext uri="{91240B29-F687-4f45-9708-019B960494DF}">
-              <a14:hiddenLine xmlns="" xmlns:a14="http://schemas.microsoft.com/office/drawing/2010/main" w="9525">
+              <a14:hiddenLine xmlns:a14="http://schemas.microsoft.com/office/drawing/2010/main" xmlns="" w="9525">
                 <a:solidFill>
                   <a:schemeClr val="tx1"/>
                 </a:solidFill>
@@ -6558,7 +6558,7 @@
               </a14:hiddenLine>
             </a:ext>
             <a:ext uri="{AF507438-7753-43e0-B8FC-AC1667EBCBE1}">
-              <a14:hiddenEffects xmlns="" xmlns:a14="http://schemas.microsoft.com/office/drawing/2010/main">
+              <a14:hiddenEffects xmlns:a14="http://schemas.microsoft.com/office/drawing/2010/main" xmlns="">
                 <a:effectLst>
                   <a:outerShdw blurRad="63500" dist="38099" dir="2700000" algn="ctr" rotWithShape="0">
                     <a:schemeClr val="bg2">
@@ -6616,14 +6616,14 @@
           <a:effectLst/>
           <a:extLst>
             <a:ext uri="{909E8E84-426E-40dd-AFC4-6F175D3DCCD1}">
-              <a14:hiddenFill xmlns="" xmlns:a14="http://schemas.microsoft.com/office/drawing/2010/main">
+              <a14:hiddenFill xmlns:a14="http://schemas.microsoft.com/office/drawing/2010/main" xmlns="">
                 <a:solidFill>
                   <a:schemeClr val="accent1"/>
                 </a:solidFill>
               </a14:hiddenFill>
             </a:ext>
             <a:ext uri="{91240B29-F687-4f45-9708-019B960494DF}">
-              <a14:hiddenLine xmlns="" xmlns:a14="http://schemas.microsoft.com/office/drawing/2010/main" w="9525">
+              <a14:hiddenLine xmlns:a14="http://schemas.microsoft.com/office/drawing/2010/main" xmlns="" w="9525">
                 <a:solidFill>
                   <a:schemeClr val="tx1"/>
                 </a:solidFill>
@@ -6633,7 +6633,7 @@
               </a14:hiddenLine>
             </a:ext>
             <a:ext uri="{AF507438-7753-43e0-B8FC-AC1667EBCBE1}">
-              <a14:hiddenEffects xmlns="" xmlns:a14="http://schemas.microsoft.com/office/drawing/2010/main">
+              <a14:hiddenEffects xmlns:a14="http://schemas.microsoft.com/office/drawing/2010/main" xmlns="">
                 <a:effectLst>
                   <a:outerShdw blurRad="63500" dist="38099" dir="2700000" algn="ctr" rotWithShape="0">
                     <a:schemeClr val="bg2">
@@ -6691,14 +6691,14 @@
           <a:effectLst/>
           <a:extLst>
             <a:ext uri="{909E8E84-426E-40dd-AFC4-6F175D3DCCD1}">
-              <a14:hiddenFill xmlns="" xmlns:a14="http://schemas.microsoft.com/office/drawing/2010/main">
+              <a14:hiddenFill xmlns:a14="http://schemas.microsoft.com/office/drawing/2010/main" xmlns="">
                 <a:solidFill>
                   <a:schemeClr val="accent1"/>
                 </a:solidFill>
               </a14:hiddenFill>
             </a:ext>
             <a:ext uri="{91240B29-F687-4f45-9708-019B960494DF}">
-              <a14:hiddenLine xmlns="" xmlns:a14="http://schemas.microsoft.com/office/drawing/2010/main" w="9525">
+              <a14:hiddenLine xmlns:a14="http://schemas.microsoft.com/office/drawing/2010/main" xmlns="" w="9525">
                 <a:solidFill>
                   <a:schemeClr val="tx1"/>
                 </a:solidFill>
@@ -6708,7 +6708,7 @@
               </a14:hiddenLine>
             </a:ext>
             <a:ext uri="{AF507438-7753-43e0-B8FC-AC1667EBCBE1}">
-              <a14:hiddenEffects xmlns="" xmlns:a14="http://schemas.microsoft.com/office/drawing/2010/main">
+              <a14:hiddenEffects xmlns:a14="http://schemas.microsoft.com/office/drawing/2010/main" xmlns="">
                 <a:effectLst>
                   <a:outerShdw blurRad="63500" dist="38099" dir="2700000" algn="ctr" rotWithShape="0">
                     <a:schemeClr val="bg2">
@@ -6766,14 +6766,14 @@
           <a:effectLst/>
           <a:extLst>
             <a:ext uri="{909E8E84-426E-40dd-AFC4-6F175D3DCCD1}">
-              <a14:hiddenFill xmlns="" xmlns:a14="http://schemas.microsoft.com/office/drawing/2010/main">
+              <a14:hiddenFill xmlns:a14="http://schemas.microsoft.com/office/drawing/2010/main" xmlns="">
                 <a:solidFill>
                   <a:schemeClr val="accent1"/>
                 </a:solidFill>
               </a14:hiddenFill>
             </a:ext>
             <a:ext uri="{91240B29-F687-4f45-9708-019B960494DF}">
-              <a14:hiddenLine xmlns="" xmlns:a14="http://schemas.microsoft.com/office/drawing/2010/main" w="9525">
+              <a14:hiddenLine xmlns:a14="http://schemas.microsoft.com/office/drawing/2010/main" xmlns="" w="9525">
                 <a:solidFill>
                   <a:schemeClr val="tx1"/>
                 </a:solidFill>
@@ -6783,7 +6783,7 @@
               </a14:hiddenLine>
             </a:ext>
             <a:ext uri="{AF507438-7753-43e0-B8FC-AC1667EBCBE1}">
-              <a14:hiddenEffects xmlns="" xmlns:a14="http://schemas.microsoft.com/office/drawing/2010/main">
+              <a14:hiddenEffects xmlns:a14="http://schemas.microsoft.com/office/drawing/2010/main" xmlns="">
                 <a:effectLst>
                   <a:outerShdw blurRad="63500" dist="38099" dir="2700000" algn="ctr" rotWithShape="0">
                     <a:schemeClr val="bg2">
@@ -6841,14 +6841,14 @@
           <a:effectLst/>
           <a:extLst>
             <a:ext uri="{909E8E84-426E-40dd-AFC4-6F175D3DCCD1}">
-              <a14:hiddenFill xmlns="" xmlns:a14="http://schemas.microsoft.com/office/drawing/2010/main">
+              <a14:hiddenFill xmlns:a14="http://schemas.microsoft.com/office/drawing/2010/main" xmlns="">
                 <a:solidFill>
                   <a:schemeClr val="accent1"/>
                 </a:solidFill>
               </a14:hiddenFill>
             </a:ext>
             <a:ext uri="{91240B29-F687-4f45-9708-019B960494DF}">
-              <a14:hiddenLine xmlns="" xmlns:a14="http://schemas.microsoft.com/office/drawing/2010/main" w="9525">
+              <a14:hiddenLine xmlns:a14="http://schemas.microsoft.com/office/drawing/2010/main" xmlns="" w="9525">
                 <a:solidFill>
                   <a:schemeClr val="tx1"/>
                 </a:solidFill>
@@ -6858,7 +6858,7 @@
               </a14:hiddenLine>
             </a:ext>
             <a:ext uri="{AF507438-7753-43e0-B8FC-AC1667EBCBE1}">
-              <a14:hiddenEffects xmlns="" xmlns:a14="http://schemas.microsoft.com/office/drawing/2010/main">
+              <a14:hiddenEffects xmlns:a14="http://schemas.microsoft.com/office/drawing/2010/main" xmlns="">
                 <a:effectLst>
                   <a:outerShdw blurRad="63500" dist="38099" dir="2700000" algn="ctr" rotWithShape="0">
                     <a:schemeClr val="bg2">
@@ -6956,14 +6956,14 @@
           <a:effectLst/>
           <a:extLst>
             <a:ext uri="{909E8E84-426E-40dd-AFC4-6F175D3DCCD1}">
-              <a14:hiddenFill xmlns="" xmlns:a14="http://schemas.microsoft.com/office/drawing/2010/main">
+              <a14:hiddenFill xmlns:a14="http://schemas.microsoft.com/office/drawing/2010/main" xmlns="">
                 <a:solidFill>
                   <a:schemeClr val="accent1"/>
                 </a:solidFill>
               </a14:hiddenFill>
             </a:ext>
             <a:ext uri="{AF507438-7753-43e0-B8FC-AC1667EBCBE1}">
-              <a14:hiddenEffects xmlns="" xmlns:a14="http://schemas.microsoft.com/office/drawing/2010/main">
+              <a14:hiddenEffects xmlns:a14="http://schemas.microsoft.com/office/drawing/2010/main" xmlns="">
                 <a:effectLst>
                   <a:outerShdw blurRad="63500" dist="38099" dir="2700000" algn="ctr" rotWithShape="0">
                     <a:schemeClr val="bg2">
@@ -7054,14 +7054,14 @@
           <a:effectLst/>
           <a:extLst>
             <a:ext uri="{909E8E84-426E-40dd-AFC4-6F175D3DCCD1}">
-              <a14:hiddenFill xmlns="" xmlns:a14="http://schemas.microsoft.com/office/drawing/2010/main">
+              <a14:hiddenFill xmlns:a14="http://schemas.microsoft.com/office/drawing/2010/main" xmlns="">
                 <a:solidFill>
                   <a:schemeClr val="accent1"/>
                 </a:solidFill>
               </a14:hiddenFill>
             </a:ext>
             <a:ext uri="{AF507438-7753-43e0-B8FC-AC1667EBCBE1}">
-              <a14:hiddenEffects xmlns="" xmlns:a14="http://schemas.microsoft.com/office/drawing/2010/main">
+              <a14:hiddenEffects xmlns:a14="http://schemas.microsoft.com/office/drawing/2010/main" xmlns="">
                 <a:effectLst>
                   <a:outerShdw blurRad="63500" dist="38099" dir="2700000" algn="ctr" rotWithShape="0">
                     <a:schemeClr val="bg2">
@@ -7144,14 +7144,14 @@
           <a:effectLst/>
           <a:extLst>
             <a:ext uri="{909E8E84-426E-40dd-AFC4-6F175D3DCCD1}">
-              <a14:hiddenFill xmlns="" xmlns:a14="http://schemas.microsoft.com/office/drawing/2010/main">
+              <a14:hiddenFill xmlns:a14="http://schemas.microsoft.com/office/drawing/2010/main" xmlns="">
                 <a:solidFill>
                   <a:schemeClr val="accent1"/>
                 </a:solidFill>
               </a14:hiddenFill>
             </a:ext>
             <a:ext uri="{AF507438-7753-43e0-B8FC-AC1667EBCBE1}">
-              <a14:hiddenEffects xmlns="" xmlns:a14="http://schemas.microsoft.com/office/drawing/2010/main">
+              <a14:hiddenEffects xmlns:a14="http://schemas.microsoft.com/office/drawing/2010/main" xmlns="">
                 <a:effectLst>
                   <a:outerShdw blurRad="63500" dist="38099" dir="2700000" algn="ctr" rotWithShape="0">
                     <a:schemeClr val="bg2">
@@ -7242,14 +7242,14 @@
           <a:effectLst/>
           <a:extLst>
             <a:ext uri="{909E8E84-426E-40dd-AFC4-6F175D3DCCD1}">
-              <a14:hiddenFill xmlns="" xmlns:a14="http://schemas.microsoft.com/office/drawing/2010/main">
+              <a14:hiddenFill xmlns:a14="http://schemas.microsoft.com/office/drawing/2010/main" xmlns="">
                 <a:solidFill>
                   <a:schemeClr val="accent1"/>
                 </a:solidFill>
               </a14:hiddenFill>
             </a:ext>
             <a:ext uri="{AF507438-7753-43e0-B8FC-AC1667EBCBE1}">
-              <a14:hiddenEffects xmlns="" xmlns:a14="http://schemas.microsoft.com/office/drawing/2010/main">
+              <a14:hiddenEffects xmlns:a14="http://schemas.microsoft.com/office/drawing/2010/main" xmlns="">
                 <a:effectLst>
                   <a:outerShdw blurRad="63500" dist="38099" dir="2700000" algn="ctr" rotWithShape="0">
                     <a:schemeClr val="bg2">
@@ -7332,14 +7332,14 @@
           <a:effectLst/>
           <a:extLst>
             <a:ext uri="{909E8E84-426E-40dd-AFC4-6F175D3DCCD1}">
-              <a14:hiddenFill xmlns="" xmlns:a14="http://schemas.microsoft.com/office/drawing/2010/main">
+              <a14:hiddenFill xmlns:a14="http://schemas.microsoft.com/office/drawing/2010/main" xmlns="">
                 <a:solidFill>
                   <a:schemeClr val="accent1"/>
                 </a:solidFill>
               </a14:hiddenFill>
             </a:ext>
             <a:ext uri="{AF507438-7753-43e0-B8FC-AC1667EBCBE1}">
-              <a14:hiddenEffects xmlns="" xmlns:a14="http://schemas.microsoft.com/office/drawing/2010/main">
+              <a14:hiddenEffects xmlns:a14="http://schemas.microsoft.com/office/drawing/2010/main" xmlns="">
                 <a:effectLst>
                   <a:outerShdw blurRad="63500" dist="38099" dir="2700000" algn="ctr" rotWithShape="0">
                     <a:schemeClr val="bg2">
@@ -7430,14 +7430,14 @@
           <a:effectLst/>
           <a:extLst>
             <a:ext uri="{909E8E84-426E-40dd-AFC4-6F175D3DCCD1}">
-              <a14:hiddenFill xmlns="" xmlns:a14="http://schemas.microsoft.com/office/drawing/2010/main">
+              <a14:hiddenFill xmlns:a14="http://schemas.microsoft.com/office/drawing/2010/main" xmlns="">
                 <a:solidFill>
                   <a:schemeClr val="accent1"/>
                 </a:solidFill>
               </a14:hiddenFill>
             </a:ext>
             <a:ext uri="{AF507438-7753-43e0-B8FC-AC1667EBCBE1}">
-              <a14:hiddenEffects xmlns="" xmlns:a14="http://schemas.microsoft.com/office/drawing/2010/main">
+              <a14:hiddenEffects xmlns:a14="http://schemas.microsoft.com/office/drawing/2010/main" xmlns="">
                 <a:effectLst>
                   <a:outerShdw blurRad="63500" dist="38099" dir="2700000" algn="ctr" rotWithShape="0">
                     <a:schemeClr val="bg2">
@@ -7520,14 +7520,14 @@
           <a:effectLst/>
           <a:extLst>
             <a:ext uri="{909E8E84-426E-40dd-AFC4-6F175D3DCCD1}">
-              <a14:hiddenFill xmlns="" xmlns:a14="http://schemas.microsoft.com/office/drawing/2010/main">
+              <a14:hiddenFill xmlns:a14="http://schemas.microsoft.com/office/drawing/2010/main" xmlns="">
                 <a:solidFill>
                   <a:schemeClr val="accent1"/>
                 </a:solidFill>
               </a14:hiddenFill>
             </a:ext>
             <a:ext uri="{AF507438-7753-43e0-B8FC-AC1667EBCBE1}">
-              <a14:hiddenEffects xmlns="" xmlns:a14="http://schemas.microsoft.com/office/drawing/2010/main">
+              <a14:hiddenEffects xmlns:a14="http://schemas.microsoft.com/office/drawing/2010/main" xmlns="">
                 <a:effectLst>
                   <a:outerShdw blurRad="63500" dist="38099" dir="2700000" algn="ctr" rotWithShape="0">
                     <a:schemeClr val="bg2">
@@ -7618,14 +7618,14 @@
           <a:effectLst/>
           <a:extLst>
             <a:ext uri="{909E8E84-426E-40dd-AFC4-6F175D3DCCD1}">
-              <a14:hiddenFill xmlns="" xmlns:a14="http://schemas.microsoft.com/office/drawing/2010/main">
+              <a14:hiddenFill xmlns:a14="http://schemas.microsoft.com/office/drawing/2010/main" xmlns="">
                 <a:solidFill>
                   <a:schemeClr val="accent1"/>
                 </a:solidFill>
               </a14:hiddenFill>
             </a:ext>
             <a:ext uri="{AF507438-7753-43e0-B8FC-AC1667EBCBE1}">
-              <a14:hiddenEffects xmlns="" xmlns:a14="http://schemas.microsoft.com/office/drawing/2010/main">
+              <a14:hiddenEffects xmlns:a14="http://schemas.microsoft.com/office/drawing/2010/main" xmlns="">
                 <a:effectLst>
                   <a:outerShdw blurRad="63500" dist="38099" dir="2700000" algn="ctr" rotWithShape="0">
                     <a:schemeClr val="bg2">
@@ -7724,14 +7724,14 @@
           <a:effectLst/>
           <a:extLst>
             <a:ext uri="{909E8E84-426E-40dd-AFC4-6F175D3DCCD1}">
-              <a14:hiddenFill xmlns="" xmlns:a14="http://schemas.microsoft.com/office/drawing/2010/main">
+              <a14:hiddenFill xmlns:a14="http://schemas.microsoft.com/office/drawing/2010/main" xmlns="">
                 <a:solidFill>
                   <a:schemeClr val="accent1"/>
                 </a:solidFill>
               </a14:hiddenFill>
             </a:ext>
             <a:ext uri="{AF507438-7753-43e0-B8FC-AC1667EBCBE1}">
-              <a14:hiddenEffects xmlns="" xmlns:a14="http://schemas.microsoft.com/office/drawing/2010/main">
+              <a14:hiddenEffects xmlns:a14="http://schemas.microsoft.com/office/drawing/2010/main" xmlns="">
                 <a:effectLst>
                   <a:outerShdw blurRad="63500" dist="38099" dir="2700000" algn="ctr" rotWithShape="0">
                     <a:schemeClr val="bg2">
@@ -7830,14 +7830,14 @@
           <a:effectLst/>
           <a:extLst>
             <a:ext uri="{909E8E84-426E-40dd-AFC4-6F175D3DCCD1}">
-              <a14:hiddenFill xmlns="" xmlns:a14="http://schemas.microsoft.com/office/drawing/2010/main">
+              <a14:hiddenFill xmlns:a14="http://schemas.microsoft.com/office/drawing/2010/main" xmlns="">
                 <a:solidFill>
                   <a:schemeClr val="accent1"/>
                 </a:solidFill>
               </a14:hiddenFill>
             </a:ext>
             <a:ext uri="{AF507438-7753-43e0-B8FC-AC1667EBCBE1}">
-              <a14:hiddenEffects xmlns="" xmlns:a14="http://schemas.microsoft.com/office/drawing/2010/main">
+              <a14:hiddenEffects xmlns:a14="http://schemas.microsoft.com/office/drawing/2010/main" xmlns="">
                 <a:effectLst>
                   <a:outerShdw blurRad="63500" dist="38099" dir="2700000" algn="ctr" rotWithShape="0">
                     <a:schemeClr val="bg2">
@@ -7936,14 +7936,14 @@
           <a:effectLst/>
           <a:extLst>
             <a:ext uri="{909E8E84-426E-40dd-AFC4-6F175D3DCCD1}">
-              <a14:hiddenFill xmlns="" xmlns:a14="http://schemas.microsoft.com/office/drawing/2010/main">
+              <a14:hiddenFill xmlns:a14="http://schemas.microsoft.com/office/drawing/2010/main" xmlns="">
                 <a:solidFill>
                   <a:schemeClr val="accent1"/>
                 </a:solidFill>
               </a14:hiddenFill>
             </a:ext>
             <a:ext uri="{AF507438-7753-43e0-B8FC-AC1667EBCBE1}">
-              <a14:hiddenEffects xmlns="" xmlns:a14="http://schemas.microsoft.com/office/drawing/2010/main">
+              <a14:hiddenEffects xmlns:a14="http://schemas.microsoft.com/office/drawing/2010/main" xmlns="">
                 <a:effectLst>
                   <a:outerShdw blurRad="63500" dist="38099" dir="2700000" algn="ctr" rotWithShape="0">
                     <a:schemeClr val="bg2">
@@ -8042,14 +8042,14 @@
           <a:effectLst/>
           <a:extLst>
             <a:ext uri="{909E8E84-426E-40dd-AFC4-6F175D3DCCD1}">
-              <a14:hiddenFill xmlns="" xmlns:a14="http://schemas.microsoft.com/office/drawing/2010/main">
+              <a14:hiddenFill xmlns:a14="http://schemas.microsoft.com/office/drawing/2010/main" xmlns="">
                 <a:solidFill>
                   <a:schemeClr val="accent1"/>
                 </a:solidFill>
               </a14:hiddenFill>
             </a:ext>
             <a:ext uri="{AF507438-7753-43e0-B8FC-AC1667EBCBE1}">
-              <a14:hiddenEffects xmlns="" xmlns:a14="http://schemas.microsoft.com/office/drawing/2010/main">
+              <a14:hiddenEffects xmlns:a14="http://schemas.microsoft.com/office/drawing/2010/main" xmlns="">
                 <a:effectLst>
                   <a:outerShdw blurRad="63500" dist="38099" dir="2700000" algn="ctr" rotWithShape="0">
                     <a:schemeClr val="bg2">
@@ -8092,14 +8092,14 @@
           <a:effectLst/>
           <a:extLst>
             <a:ext uri="{909E8E84-426E-40dd-AFC4-6F175D3DCCD1}">
-              <a14:hiddenFill xmlns="" xmlns:a14="http://schemas.microsoft.com/office/drawing/2010/main">
+              <a14:hiddenFill xmlns:a14="http://schemas.microsoft.com/office/drawing/2010/main" xmlns="">
                 <a:solidFill>
                   <a:schemeClr val="accent1"/>
                 </a:solidFill>
               </a14:hiddenFill>
             </a:ext>
             <a:ext uri="{91240B29-F687-4f45-9708-019B960494DF}">
-              <a14:hiddenLine xmlns="" xmlns:a14="http://schemas.microsoft.com/office/drawing/2010/main" w="9525">
+              <a14:hiddenLine xmlns:a14="http://schemas.microsoft.com/office/drawing/2010/main" xmlns="" w="9525">
                 <a:solidFill>
                   <a:schemeClr val="tx1"/>
                 </a:solidFill>
@@ -8109,7 +8109,7 @@
               </a14:hiddenLine>
             </a:ext>
             <a:ext uri="{AF507438-7753-43e0-B8FC-AC1667EBCBE1}">
-              <a14:hiddenEffects xmlns="" xmlns:a14="http://schemas.microsoft.com/office/drawing/2010/main">
+              <a14:hiddenEffects xmlns:a14="http://schemas.microsoft.com/office/drawing/2010/main" xmlns="">
                 <a:effectLst>
                   <a:outerShdw blurRad="63500" dist="38099" dir="2700000" algn="ctr" rotWithShape="0">
                     <a:schemeClr val="bg2">
@@ -8167,14 +8167,14 @@
           <a:effectLst/>
           <a:extLst>
             <a:ext uri="{909E8E84-426E-40dd-AFC4-6F175D3DCCD1}">
-              <a14:hiddenFill xmlns="" xmlns:a14="http://schemas.microsoft.com/office/drawing/2010/main">
+              <a14:hiddenFill xmlns:a14="http://schemas.microsoft.com/office/drawing/2010/main" xmlns="">
                 <a:solidFill>
                   <a:schemeClr val="accent1"/>
                 </a:solidFill>
               </a14:hiddenFill>
             </a:ext>
             <a:ext uri="{91240B29-F687-4f45-9708-019B960494DF}">
-              <a14:hiddenLine xmlns="" xmlns:a14="http://schemas.microsoft.com/office/drawing/2010/main" w="9525">
+              <a14:hiddenLine xmlns:a14="http://schemas.microsoft.com/office/drawing/2010/main" xmlns="" w="9525">
                 <a:solidFill>
                   <a:schemeClr val="tx1"/>
                 </a:solidFill>
@@ -8184,7 +8184,7 @@
               </a14:hiddenLine>
             </a:ext>
             <a:ext uri="{AF507438-7753-43e0-B8FC-AC1667EBCBE1}">
-              <a14:hiddenEffects xmlns="" xmlns:a14="http://schemas.microsoft.com/office/drawing/2010/main">
+              <a14:hiddenEffects xmlns:a14="http://schemas.microsoft.com/office/drawing/2010/main" xmlns="">
                 <a:effectLst>
                   <a:outerShdw blurRad="63500" dist="38099" dir="2700000" algn="ctr" rotWithShape="0">
                     <a:schemeClr val="bg2">
@@ -8242,14 +8242,14 @@
           <a:effectLst/>
           <a:extLst>
             <a:ext uri="{909E8E84-426E-40dd-AFC4-6F175D3DCCD1}">
-              <a14:hiddenFill xmlns="" xmlns:a14="http://schemas.microsoft.com/office/drawing/2010/main">
+              <a14:hiddenFill xmlns:a14="http://schemas.microsoft.com/office/drawing/2010/main" xmlns="">
                 <a:solidFill>
                   <a:schemeClr val="accent1"/>
                 </a:solidFill>
               </a14:hiddenFill>
             </a:ext>
             <a:ext uri="{91240B29-F687-4f45-9708-019B960494DF}">
-              <a14:hiddenLine xmlns="" xmlns:a14="http://schemas.microsoft.com/office/drawing/2010/main" w="9525">
+              <a14:hiddenLine xmlns:a14="http://schemas.microsoft.com/office/drawing/2010/main" xmlns="" w="9525">
                 <a:solidFill>
                   <a:schemeClr val="tx1"/>
                 </a:solidFill>
@@ -8259,7 +8259,7 @@
               </a14:hiddenLine>
             </a:ext>
             <a:ext uri="{AF507438-7753-43e0-B8FC-AC1667EBCBE1}">
-              <a14:hiddenEffects xmlns="" xmlns:a14="http://schemas.microsoft.com/office/drawing/2010/main">
+              <a14:hiddenEffects xmlns:a14="http://schemas.microsoft.com/office/drawing/2010/main" xmlns="">
                 <a:effectLst>
                   <a:outerShdw blurRad="63500" dist="38099" dir="2700000" algn="ctr" rotWithShape="0">
                     <a:schemeClr val="bg2">
@@ -8317,14 +8317,14 @@
           <a:effectLst/>
           <a:extLst>
             <a:ext uri="{909E8E84-426E-40dd-AFC4-6F175D3DCCD1}">
-              <a14:hiddenFill xmlns="" xmlns:a14="http://schemas.microsoft.com/office/drawing/2010/main">
+              <a14:hiddenFill xmlns:a14="http://schemas.microsoft.com/office/drawing/2010/main" xmlns="">
                 <a:solidFill>
                   <a:schemeClr val="accent1"/>
                 </a:solidFill>
               </a14:hiddenFill>
             </a:ext>
             <a:ext uri="{91240B29-F687-4f45-9708-019B960494DF}">
-              <a14:hiddenLine xmlns="" xmlns:a14="http://schemas.microsoft.com/office/drawing/2010/main" w="9525">
+              <a14:hiddenLine xmlns:a14="http://schemas.microsoft.com/office/drawing/2010/main" xmlns="" w="9525">
                 <a:solidFill>
                   <a:schemeClr val="tx1"/>
                 </a:solidFill>
@@ -8334,7 +8334,7 @@
               </a14:hiddenLine>
             </a:ext>
             <a:ext uri="{AF507438-7753-43e0-B8FC-AC1667EBCBE1}">
-              <a14:hiddenEffects xmlns="" xmlns:a14="http://schemas.microsoft.com/office/drawing/2010/main">
+              <a14:hiddenEffects xmlns:a14="http://schemas.microsoft.com/office/drawing/2010/main" xmlns="">
                 <a:effectLst>
                   <a:outerShdw blurRad="63500" dist="38099" dir="2700000" algn="ctr" rotWithShape="0">
                     <a:schemeClr val="bg2">
